--- a/Tranning/Bluetooth_Tri/Bluetooth.pptx
+++ b/Tranning/Bluetooth_Tri/Bluetooth.pptx
@@ -292,7 +292,7 @@
             <a:fld id="{87DE6118-2437-4B30-8E3C-4D2BE6020583}" type="datetimeFigureOut">
               <a:rPr lang="en-US" dirty="0"/>
               <a:pPr/>
-              <a:t>11/20/2017</a:t>
+              <a:t>12-Dec-17</a:t>
             </a:fld>
             <a:endParaRPr lang="en-US" dirty="0"/>
           </a:p>
@@ -618,7 +618,7 @@
           <a:p>
             <a:fld id="{87DE6118-2437-4B30-8E3C-4D2BE6020583}" type="datetimeFigureOut">
               <a:rPr lang="en-US" dirty="0"/>
-              <a:t>11/20/2017</a:t>
+              <a:t>12-Dec-17</a:t>
             </a:fld>
             <a:endParaRPr lang="en-US" dirty="0"/>
           </a:p>
@@ -793,7 +793,7 @@
           <a:p>
             <a:fld id="{87DE6118-2437-4B30-8E3C-4D2BE6020583}" type="datetimeFigureOut">
               <a:rPr lang="en-US" dirty="0"/>
-              <a:t>11/20/2017</a:t>
+              <a:t>12-Dec-17</a:t>
             </a:fld>
             <a:endParaRPr lang="en-US" dirty="0"/>
           </a:p>
@@ -958,7 +958,7 @@
           <a:p>
             <a:fld id="{87DE6118-2437-4B30-8E3C-4D2BE6020583}" type="datetimeFigureOut">
               <a:rPr lang="en-US" dirty="0"/>
-              <a:t>11/20/2017</a:t>
+              <a:t>12-Dec-17</a:t>
             </a:fld>
             <a:endParaRPr lang="en-US" dirty="0"/>
           </a:p>
@@ -1231,7 +1231,7 @@
             <a:fld id="{87DE6118-2437-4B30-8E3C-4D2BE6020583}" type="datetimeFigureOut">
               <a:rPr lang="en-US" dirty="0"/>
               <a:pPr/>
-              <a:t>11/20/2017</a:t>
+              <a:t>12-Dec-17</a:t>
             </a:fld>
             <a:endParaRPr lang="en-US" dirty="0"/>
           </a:p>
@@ -1621,7 +1621,7 @@
           <a:p>
             <a:fld id="{87DE6118-2437-4B30-8E3C-4D2BE6020583}" type="datetimeFigureOut">
               <a:rPr lang="en-US" dirty="0"/>
-              <a:t>11/20/2017</a:t>
+              <a:t>12-Dec-17</a:t>
             </a:fld>
             <a:endParaRPr lang="en-US" dirty="0"/>
           </a:p>
@@ -2093,7 +2093,7 @@
           <a:p>
             <a:fld id="{87DE6118-2437-4B30-8E3C-4D2BE6020583}" type="datetimeFigureOut">
               <a:rPr lang="en-US" dirty="0"/>
-              <a:t>11/20/2017</a:t>
+              <a:t>12-Dec-17</a:t>
             </a:fld>
             <a:endParaRPr lang="en-US" dirty="0"/>
           </a:p>
@@ -2206,7 +2206,7 @@
           <a:p>
             <a:fld id="{87DE6118-2437-4B30-8E3C-4D2BE6020583}" type="datetimeFigureOut">
               <a:rPr lang="en-US" dirty="0"/>
-              <a:t>11/20/2017</a:t>
+              <a:t>12-Dec-17</a:t>
             </a:fld>
             <a:endParaRPr lang="en-US" dirty="0"/>
           </a:p>
@@ -2296,7 +2296,7 @@
           <a:p>
             <a:fld id="{87DE6118-2437-4B30-8E3C-4D2BE6020583}" type="datetimeFigureOut">
               <a:rPr lang="en-US" dirty="0"/>
-              <a:t>11/20/2017</a:t>
+              <a:t>12-Dec-17</a:t>
             </a:fld>
             <a:endParaRPr lang="en-US" dirty="0"/>
           </a:p>
@@ -2638,7 +2638,7 @@
             <a:fld id="{87DE6118-2437-4B30-8E3C-4D2BE6020583}" type="datetimeFigureOut">
               <a:rPr lang="en-US" dirty="0"/>
               <a:pPr/>
-              <a:t>11/20/2017</a:t>
+              <a:t>12-Dec-17</a:t>
             </a:fld>
             <a:endParaRPr lang="en-US" dirty="0"/>
           </a:p>
@@ -3023,7 +3023,7 @@
             <a:fld id="{87DE6118-2437-4B30-8E3C-4D2BE6020583}" type="datetimeFigureOut">
               <a:rPr lang="en-US" dirty="0"/>
               <a:pPr/>
-              <a:t>11/20/2017</a:t>
+              <a:t>12-Dec-17</a:t>
             </a:fld>
             <a:endParaRPr lang="en-US" dirty="0"/>
           </a:p>
@@ -3298,7 +3298,7 @@
             <a:fld id="{87DE6118-2437-4B30-8E3C-4D2BE6020583}" type="datetimeFigureOut">
               <a:rPr lang="en-US" dirty="0"/>
               <a:pPr/>
-              <a:t>11/20/2017</a:t>
+              <a:t>12-Dec-17</a:t>
             </a:fld>
             <a:endParaRPr lang="en-US" dirty="0"/>
           </a:p>
@@ -5334,14 +5334,48 @@
             <p:ph type="title"/>
           </p:nvPr>
         </p:nvSpPr>
-        <p:spPr/>
-        <p:txBody>
-          <a:bodyPr/>
+        <p:spPr>
+          <a:xfrm>
+            <a:off x="1371600" y="685800"/>
+            <a:ext cx="9601200" cy="2985052"/>
+          </a:xfrm>
+        </p:spPr>
+        <p:txBody>
+          <a:bodyPr>
+            <a:normAutofit/>
+          </a:bodyPr>
           <a:lstStyle/>
           <a:p>
             <a:r>
               <a:rPr lang="en-US" dirty="0"/>
               <a:t>Demo live…</a:t>
+            </a:r>
+            <a:br>
+              <a:rPr lang="en-US" dirty="0"/>
+            </a:br>
+            <a:r>
+              <a:rPr lang="en-US" sz="2000" err="1"/>
+              <a:t>Link</a:t>
+            </a:r>
+            <a:r>
+              <a:rPr lang="en-US" sz="2000"/>
+              <a:t>: </a:t>
+            </a:r>
+            <a:r>
+              <a:rPr lang="en-US" sz="2200">
+                <a:solidFill>
+                  <a:srgbClr val="FF0000"/>
+                </a:solidFill>
+              </a:rPr>
+              <a:t>https</a:t>
+            </a:r>
+            <a:r>
+              <a:rPr lang="en-US" sz="2200" dirty="0">
+                <a:solidFill>
+                  <a:srgbClr val="FF0000"/>
+                </a:solidFill>
+              </a:rPr>
+              <a:t>://viblo.asia/p/tim-hieu-ve-bluetooth-api-tren-android-tao-mot-ung-dung-bluetooth-scanner-3wjAM7JARmWe</a:t>
             </a:r>
           </a:p>
         </p:txBody>
